--- a/Vendor_Boards/Great_Cow_Basic_Demo_Board/18FxxQ24_Chiprange_Demonstrations/tutorials/GCBASIC_Part11_I2C.pptx
+++ b/Vendor_Boards/Great_Cow_Basic_Demo_Board/18FxxQ24_Chiprange_Demonstrations/tutorials/GCBASIC_Part11_I2C.pptx
@@ -672,7 +672,7 @@
           <p:cNvPr id="7" name="Rectangle 6">
             <a:extLst>
               <a:ext uri="{FF2B5EF4-FFF2-40B4-BE49-F238E27FC236}">
-                <a16:creationId xmlns="" xmlns:a16="http://schemas.microsoft.com/office/drawing/2014/main" id="{9C757326-0232-4CDF-81FF-302CA676961B}"/>
+                <a16:creationId xmlns:a16="http://schemas.microsoft.com/office/drawing/2014/main" xmlns="" id="{9C757326-0232-4CDF-81FF-302CA676961B}"/>
               </a:ext>
             </a:extLst>
           </p:cNvPr>
@@ -724,7 +724,7 @@
           <p:cNvPr id="8" name="Picture 7">
             <a:extLst>
               <a:ext uri="{FF2B5EF4-FFF2-40B4-BE49-F238E27FC236}">
-                <a16:creationId xmlns="" xmlns:a16="http://schemas.microsoft.com/office/drawing/2014/main" id="{4987E008-68E6-4A43-85BC-1A6ACDF91DE1}"/>
+                <a16:creationId xmlns:a16="http://schemas.microsoft.com/office/drawing/2014/main" xmlns="" id="{4987E008-68E6-4A43-85BC-1A6ACDF91DE1}"/>
               </a:ext>
             </a:extLst>
           </p:cNvPr>
@@ -753,7 +753,7 @@
           <p:cNvPr id="11" name="Picture 10">
             <a:extLst>
               <a:ext uri="{FF2B5EF4-FFF2-40B4-BE49-F238E27FC236}">
-                <a16:creationId xmlns="" xmlns:a16="http://schemas.microsoft.com/office/drawing/2014/main" id="{A1F8C892-C868-4DF6-91AB-B18CE632B10F}"/>
+                <a16:creationId xmlns:a16="http://schemas.microsoft.com/office/drawing/2014/main" xmlns="" id="{A1F8C892-C868-4DF6-91AB-B18CE632B10F}"/>
               </a:ext>
             </a:extLst>
           </p:cNvPr>
@@ -939,7 +939,7 @@
           <p:cNvPr id="12" name="Text Placeholder 2">
             <a:extLst>
               <a:ext uri="{FF2B5EF4-FFF2-40B4-BE49-F238E27FC236}">
-                <a16:creationId xmlns="" xmlns:a16="http://schemas.microsoft.com/office/drawing/2014/main" id="{D547E580-E6D6-4D97-BB04-05795A830147}"/>
+                <a16:creationId xmlns:a16="http://schemas.microsoft.com/office/drawing/2014/main" xmlns="" id="{D547E580-E6D6-4D97-BB04-05795A830147}"/>
               </a:ext>
             </a:extLst>
           </p:cNvPr>
@@ -1092,7 +1092,7 @@
           <p:cNvPr id="9" name="Picture 8">
             <a:extLst>
               <a:ext uri="{FF2B5EF4-FFF2-40B4-BE49-F238E27FC236}">
-                <a16:creationId xmlns="" xmlns:a16="http://schemas.microsoft.com/office/drawing/2014/main" id="{7CE2C968-D10A-4226-8FDC-CBC4C7EDD0B7}"/>
+                <a16:creationId xmlns:a16="http://schemas.microsoft.com/office/drawing/2014/main" xmlns="" id="{7CE2C968-D10A-4226-8FDC-CBC4C7EDD0B7}"/>
               </a:ext>
             </a:extLst>
           </p:cNvPr>
@@ -1378,7 +1378,7 @@
           <p:cNvPr id="9" name="Picture 8">
             <a:extLst>
               <a:ext uri="{FF2B5EF4-FFF2-40B4-BE49-F238E27FC236}">
-                <a16:creationId xmlns="" xmlns:a16="http://schemas.microsoft.com/office/drawing/2014/main" id="{6AB5D66D-00C1-40EA-BFC8-305566F10369}"/>
+                <a16:creationId xmlns:a16="http://schemas.microsoft.com/office/drawing/2014/main" xmlns="" id="{6AB5D66D-00C1-40EA-BFC8-305566F10369}"/>
               </a:ext>
             </a:extLst>
           </p:cNvPr>
@@ -1895,7 +1895,7 @@
           <p:cNvPr id="8" name="Picture 7">
             <a:extLst>
               <a:ext uri="{FF2B5EF4-FFF2-40B4-BE49-F238E27FC236}">
-                <a16:creationId xmlns="" xmlns:a16="http://schemas.microsoft.com/office/drawing/2014/main" id="{AD4D4CB4-D965-4BB6-B218-086244C13BAE}"/>
+                <a16:creationId xmlns:a16="http://schemas.microsoft.com/office/drawing/2014/main" xmlns="" id="{AD4D4CB4-D965-4BB6-B218-086244C13BAE}"/>
               </a:ext>
             </a:extLst>
           </p:cNvPr>
@@ -2330,7 +2330,7 @@
           <p:cNvPr id="11" name="Picture 10">
             <a:extLst>
               <a:ext uri="{FF2B5EF4-FFF2-40B4-BE49-F238E27FC236}">
-                <a16:creationId xmlns="" xmlns:a16="http://schemas.microsoft.com/office/drawing/2014/main" id="{A3B58C4E-0EF0-466C-9740-EC9F485CBD03}"/>
+                <a16:creationId xmlns:a16="http://schemas.microsoft.com/office/drawing/2014/main" xmlns="" id="{A3B58C4E-0EF0-466C-9740-EC9F485CBD03}"/>
               </a:ext>
             </a:extLst>
           </p:cNvPr>
@@ -2612,7 +2612,7 @@
           <p:cNvPr id="7" name="Picture 6">
             <a:extLst>
               <a:ext uri="{FF2B5EF4-FFF2-40B4-BE49-F238E27FC236}">
-                <a16:creationId xmlns="" xmlns:a16="http://schemas.microsoft.com/office/drawing/2014/main" id="{2D0B9223-1250-44AA-A6C3-F2013B85AEF3}"/>
+                <a16:creationId xmlns:a16="http://schemas.microsoft.com/office/drawing/2014/main" xmlns="" id="{2D0B9223-1250-44AA-A6C3-F2013B85AEF3}"/>
               </a:ext>
             </a:extLst>
           </p:cNvPr>
@@ -3040,7 +3040,7 @@
           <p:cNvPr id="11" name="Picture 10">
             <a:extLst>
               <a:ext uri="{FF2B5EF4-FFF2-40B4-BE49-F238E27FC236}">
-                <a16:creationId xmlns="" xmlns:a16="http://schemas.microsoft.com/office/drawing/2014/main" id="{D49E1C7C-7E53-49A2-B2C9-52307876DB7E}"/>
+                <a16:creationId xmlns:a16="http://schemas.microsoft.com/office/drawing/2014/main" xmlns="" id="{D49E1C7C-7E53-49A2-B2C9-52307876DB7E}"/>
               </a:ext>
             </a:extLst>
           </p:cNvPr>
@@ -3382,7 +3382,7 @@
           <p:cNvPr id="9" name="Picture 8">
             <a:extLst>
               <a:ext uri="{FF2B5EF4-FFF2-40B4-BE49-F238E27FC236}">
-                <a16:creationId xmlns="" xmlns:a16="http://schemas.microsoft.com/office/drawing/2014/main" id="{23082AB0-2BB5-46FE-9A17-15E1ACC06965}"/>
+                <a16:creationId xmlns:a16="http://schemas.microsoft.com/office/drawing/2014/main" xmlns="" id="{23082AB0-2BB5-46FE-9A17-15E1ACC06965}"/>
               </a:ext>
             </a:extLst>
           </p:cNvPr>
@@ -3441,7 +3441,7 @@
           <p:cNvPr id="8" name="Picture 7">
             <a:extLst>
               <a:ext uri="{FF2B5EF4-FFF2-40B4-BE49-F238E27FC236}">
-                <a16:creationId xmlns="" xmlns:a16="http://schemas.microsoft.com/office/drawing/2014/main" id="{1862E859-E5AF-4D76-9FC9-2355B24FF141}"/>
+                <a16:creationId xmlns:a16="http://schemas.microsoft.com/office/drawing/2014/main" xmlns="" id="{1862E859-E5AF-4D76-9FC9-2355B24FF141}"/>
               </a:ext>
             </a:extLst>
           </p:cNvPr>
@@ -3647,7 +3647,7 @@
           <p:cNvPr id="8" name="Picture 7">
             <a:extLst>
               <a:ext uri="{FF2B5EF4-FFF2-40B4-BE49-F238E27FC236}">
-                <a16:creationId xmlns="" xmlns:a16="http://schemas.microsoft.com/office/drawing/2014/main" id="{91908D0E-7544-4687-965B-72EF64AA4C54}"/>
+                <a16:creationId xmlns:a16="http://schemas.microsoft.com/office/drawing/2014/main" xmlns="" id="{91908D0E-7544-4687-965B-72EF64AA4C54}"/>
               </a:ext>
             </a:extLst>
           </p:cNvPr>
@@ -3858,7 +3858,7 @@
           <p:cNvPr id="8" name="Picture 7">
             <a:extLst>
               <a:ext uri="{FF2B5EF4-FFF2-40B4-BE49-F238E27FC236}">
-                <a16:creationId xmlns="" xmlns:a16="http://schemas.microsoft.com/office/drawing/2014/main" id="{5B5B8CA2-02D4-408C-B548-182D4F5F54B2}"/>
+                <a16:creationId xmlns:a16="http://schemas.microsoft.com/office/drawing/2014/main" xmlns="" id="{5B5B8CA2-02D4-408C-B548-182D4F5F54B2}"/>
               </a:ext>
             </a:extLst>
           </p:cNvPr>
@@ -4076,7 +4076,7 @@
           <p:cNvPr id="11" name="Picture 10">
             <a:extLst>
               <a:ext uri="{FF2B5EF4-FFF2-40B4-BE49-F238E27FC236}">
-                <a16:creationId xmlns="" xmlns:a16="http://schemas.microsoft.com/office/drawing/2014/main" id="{EA8DB33B-8BF9-4C99-B31C-55246227EFDE}"/>
+                <a16:creationId xmlns:a16="http://schemas.microsoft.com/office/drawing/2014/main" xmlns="" id="{EA8DB33B-8BF9-4C99-B31C-55246227EFDE}"/>
               </a:ext>
             </a:extLst>
           </p:cNvPr>
@@ -4891,7 +4891,7 @@
           <p:cNvPr id="11" name="Picture 10">
             <a:extLst>
               <a:ext uri="{FF2B5EF4-FFF2-40B4-BE49-F238E27FC236}">
-                <a16:creationId xmlns="" xmlns:a16="http://schemas.microsoft.com/office/drawing/2014/main" id="{EA8DB33B-8BF9-4C99-B31C-55246227EFDE}"/>
+                <a16:creationId xmlns:a16="http://schemas.microsoft.com/office/drawing/2014/main" xmlns="" id="{EA8DB33B-8BF9-4C99-B31C-55246227EFDE}"/>
               </a:ext>
             </a:extLst>
           </p:cNvPr>
@@ -5924,7 +5924,7 @@
           <p:cNvPr id="7" name="Picture 6">
             <a:extLst>
               <a:ext uri="{FF2B5EF4-FFF2-40B4-BE49-F238E27FC236}">
-                <a16:creationId xmlns="" xmlns:a16="http://schemas.microsoft.com/office/drawing/2014/main" id="{6331EFED-43C1-4CBA-8BE3-308E3AA13B9B}"/>
+                <a16:creationId xmlns:a16="http://schemas.microsoft.com/office/drawing/2014/main" xmlns="" id="{6331EFED-43C1-4CBA-8BE3-308E3AA13B9B}"/>
               </a:ext>
             </a:extLst>
           </p:cNvPr>
@@ -6188,7 +6188,7 @@
           <p:cNvPr id="9" name="Picture 8">
             <a:extLst>
               <a:ext uri="{FF2B5EF4-FFF2-40B4-BE49-F238E27FC236}">
-                <a16:creationId xmlns="" xmlns:a16="http://schemas.microsoft.com/office/drawing/2014/main" id="{1034EA63-4BE3-4A73-A7E6-4A75BE4C1D48}"/>
+                <a16:creationId xmlns:a16="http://schemas.microsoft.com/office/drawing/2014/main" xmlns="" id="{1034EA63-4BE3-4A73-A7E6-4A75BE4C1D48}"/>
               </a:ext>
             </a:extLst>
           </p:cNvPr>
@@ -6247,7 +6247,7 @@
           <p:cNvPr id="10" name="Picture 9">
             <a:extLst>
               <a:ext uri="{FF2B5EF4-FFF2-40B4-BE49-F238E27FC236}">
-                <a16:creationId xmlns="" xmlns:a16="http://schemas.microsoft.com/office/drawing/2014/main" id="{204DC1E6-B5F4-4160-90F3-351FB3242E92}"/>
+                <a16:creationId xmlns:a16="http://schemas.microsoft.com/office/drawing/2014/main" xmlns="" id="{204DC1E6-B5F4-4160-90F3-351FB3242E92}"/>
               </a:ext>
             </a:extLst>
           </p:cNvPr>
@@ -6658,7 +6658,7 @@
           <p:cNvPr id="6" name="Picture 5">
             <a:extLst>
               <a:ext uri="{FF2B5EF4-FFF2-40B4-BE49-F238E27FC236}">
-                <a16:creationId xmlns="" xmlns:a16="http://schemas.microsoft.com/office/drawing/2014/main" id="{E7897C67-3827-4595-8E3A-71E9F2EAB3AF}"/>
+                <a16:creationId xmlns:a16="http://schemas.microsoft.com/office/drawing/2014/main" xmlns="" id="{E7897C67-3827-4595-8E3A-71E9F2EAB3AF}"/>
               </a:ext>
             </a:extLst>
           </p:cNvPr>
@@ -6880,7 +6880,7 @@
           <p:cNvPr id="6" name="Picture 5">
             <a:extLst>
               <a:ext uri="{FF2B5EF4-FFF2-40B4-BE49-F238E27FC236}">
-                <a16:creationId xmlns="" xmlns:a16="http://schemas.microsoft.com/office/drawing/2014/main" id="{F1825398-026A-4668-BB48-C16AD1C9062B}"/>
+                <a16:creationId xmlns:a16="http://schemas.microsoft.com/office/drawing/2014/main" xmlns="" id="{F1825398-026A-4668-BB48-C16AD1C9062B}"/>
               </a:ext>
             </a:extLst>
           </p:cNvPr>
@@ -8323,11 +8323,11 @@
   <p:clrMapOvr>
     <a:masterClrMapping/>
   </p:clrMapOvr>
-  <mc:AlternateContent xmlns:mc="http://schemas.openxmlformats.org/markup-compatibility/2006">
-    <mc:Choice xmlns:p14="http://schemas.microsoft.com/office/powerpoint/2010/main" Requires="p14">
+  <mc:AlternateContent xmlns:mc="http://schemas.openxmlformats.org/markup-compatibility/2006" xmlns:p14="http://schemas.microsoft.com/office/powerpoint/2010/main">
+    <mc:Choice Requires="p14">
       <p:transition spd="slow" p14:dur="2000"/>
     </mc:Choice>
-    <mc:Fallback>
+    <mc:Fallback xmlns="">
       <p:transition spd="slow"/>
     </mc:Fallback>
   </mc:AlternateContent>
@@ -10045,19 +10045,352 @@
             <a:pPr lvl="1"/>
             <a:r>
               <a:rPr lang="en-GB" dirty="0" smtClean="0"/>
-              <a:t>Review the code</a:t>
-            </a:r>
-          </a:p>
-          <a:p>
-            <a:pPr lvl="1"/>
+              <a:t>Review </a:t>
+            </a:r>
             <a:r>
               <a:rPr lang="en-GB" dirty="0" smtClean="0"/>
-              <a:t>See the results</a:t>
+              <a:t>demonstrations and see </a:t>
+            </a:r>
+            <a:r>
+              <a:rPr lang="en-GB" dirty="0" smtClean="0"/>
+              <a:t>the results</a:t>
             </a:r>
             <a:endParaRPr lang="en-GB" dirty="0"/>
           </a:p>
         </p:txBody>
       </p:sp>
+      <p:graphicFrame>
+        <p:nvGraphicFramePr>
+          <p:cNvPr id="3" name="Table 2"/>
+          <p:cNvGraphicFramePr>
+            <a:graphicFrameLocks noGrp="1"/>
+          </p:cNvGraphicFramePr>
+          <p:nvPr>
+            <p:extLst>
+              <p:ext uri="{D42A27DB-BD31-4B8C-83A1-F6EECF244321}">
+                <p14:modId xmlns:p14="http://schemas.microsoft.com/office/powerpoint/2010/main" val="256449821"/>
+              </p:ext>
+            </p:extLst>
+          </p:nvPr>
+        </p:nvGraphicFramePr>
+        <p:xfrm>
+          <a:off x="1259632" y="3291830"/>
+          <a:ext cx="5328591" cy="1510062"/>
+        </p:xfrm>
+        <a:graphic>
+          <a:graphicData uri="http://schemas.openxmlformats.org/drawingml/2006/table">
+            <a:tbl>
+              <a:tblPr firstRow="1" bandRow="1">
+                <a:tableStyleId>{5C22544A-7EE6-4342-B048-85BDC9FD1C3A}</a:tableStyleId>
+              </a:tblPr>
+              <a:tblGrid>
+                <a:gridCol w="1258862"/>
+                <a:gridCol w="1321805"/>
+                <a:gridCol w="2747924"/>
+              </a:tblGrid>
+              <a:tr h="144016">
+                <a:tc>
+                  <a:txBody>
+                    <a:bodyPr/>
+                    <a:lstStyle/>
+                    <a:p>
+                      <a:r>
+                        <a:rPr lang="en-GB" sz="1000" dirty="0" smtClean="0"/>
+                        <a:t>Demo</a:t>
+                      </a:r>
+                      <a:r>
+                        <a:rPr lang="en-GB" sz="1000" baseline="0" dirty="0" smtClean="0"/>
+                        <a:t> number</a:t>
+                      </a:r>
+                      <a:endParaRPr lang="en-GB" sz="1000" dirty="0"/>
+                    </a:p>
+                  </a:txBody>
+                  <a:tcPr/>
+                </a:tc>
+                <a:tc>
+                  <a:txBody>
+                    <a:bodyPr/>
+                    <a:lstStyle/>
+                    <a:p>
+                      <a:r>
+                        <a:rPr lang="en-GB" sz="1000" dirty="0" smtClean="0"/>
+                        <a:t>Focus</a:t>
+                      </a:r>
+                      <a:endParaRPr lang="en-GB" sz="1000" dirty="0"/>
+                    </a:p>
+                  </a:txBody>
+                  <a:tcPr/>
+                </a:tc>
+                <a:tc>
+                  <a:txBody>
+                    <a:bodyPr/>
+                    <a:lstStyle/>
+                    <a:p>
+                      <a:r>
+                        <a:rPr lang="en-GB" sz="1000" dirty="0" smtClean="0"/>
+                        <a:t>Shows</a:t>
+                      </a:r>
+                      <a:r>
+                        <a:rPr lang="en-GB" sz="1000" baseline="0" dirty="0" smtClean="0"/>
+                        <a:t> </a:t>
+                      </a:r>
+                      <a:endParaRPr lang="en-GB" sz="1000" dirty="0"/>
+                    </a:p>
+                  </a:txBody>
+                  <a:tcPr/>
+                </a:tc>
+              </a:tr>
+              <a:tr h="376557">
+                <a:tc>
+                  <a:txBody>
+                    <a:bodyPr/>
+                    <a:lstStyle/>
+                    <a:p>
+                      <a:r>
+                        <a:rPr lang="en-GB" sz="1000" dirty="0" smtClean="0"/>
+                        <a:t>180</a:t>
+                      </a:r>
+                      <a:r>
+                        <a:rPr lang="en-GB" sz="1000" baseline="0" dirty="0" smtClean="0"/>
+                        <a:t> &amp; 190</a:t>
+                      </a:r>
+                      <a:endParaRPr lang="en-GB" sz="1000" dirty="0"/>
+                    </a:p>
+                  </a:txBody>
+                  <a:tcPr/>
+                </a:tc>
+                <a:tc>
+                  <a:txBody>
+                    <a:bodyPr/>
+                    <a:lstStyle/>
+                    <a:p>
+                      <a:r>
+                        <a:rPr lang="en-GB" sz="1000" dirty="0" smtClean="0"/>
+                        <a:t>128x32 &amp; 128x64</a:t>
+                      </a:r>
+                      <a:r>
+                        <a:rPr lang="en-GB" sz="1000" baseline="0" dirty="0" smtClean="0"/>
+                        <a:t> capability demos</a:t>
+                      </a:r>
+                      <a:endParaRPr lang="en-GB" sz="1000" dirty="0"/>
+                    </a:p>
+                  </a:txBody>
+                  <a:tcPr/>
+                </a:tc>
+                <a:tc>
+                  <a:txBody>
+                    <a:bodyPr/>
+                    <a:lstStyle/>
+                    <a:p>
+                      <a:r>
+                        <a:rPr lang="en-GB" sz="1000" dirty="0" smtClean="0"/>
+                        <a:t>Primitives</a:t>
+                      </a:r>
+                    </a:p>
+                    <a:p>
+                      <a:r>
+                        <a:rPr lang="en-GB" sz="1000" dirty="0" smtClean="0"/>
+                        <a:t>Memory</a:t>
+                      </a:r>
+                      <a:r>
+                        <a:rPr lang="en-GB" sz="1000" baseline="0" dirty="0" smtClean="0"/>
+                        <a:t> usage &amp; Transactions</a:t>
+                      </a:r>
+                      <a:endParaRPr lang="en-GB" sz="1000" dirty="0"/>
+                    </a:p>
+                  </a:txBody>
+                  <a:tcPr/>
+                </a:tc>
+              </a:tr>
+              <a:tr h="239322">
+                <a:tc>
+                  <a:txBody>
+                    <a:bodyPr/>
+                    <a:lstStyle/>
+                    <a:p>
+                      <a:r>
+                        <a:rPr lang="en-GB" sz="1000" dirty="0" smtClean="0"/>
+                        <a:t>200</a:t>
+                      </a:r>
+                      <a:endParaRPr lang="en-GB" sz="1000" dirty="0"/>
+                    </a:p>
+                  </a:txBody>
+                  <a:tcPr/>
+                </a:tc>
+                <a:tc>
+                  <a:txBody>
+                    <a:bodyPr/>
+                    <a:lstStyle/>
+                    <a:p>
+                      <a:r>
+                        <a:rPr lang="en-GB" sz="1000" dirty="0" smtClean="0"/>
+                        <a:t>BMP</a:t>
+                      </a:r>
+                      <a:r>
+                        <a:rPr lang="en-GB" sz="1000" baseline="0" dirty="0" smtClean="0"/>
+                        <a:t> converter </a:t>
+                      </a:r>
+                      <a:endParaRPr lang="en-GB" sz="1000" dirty="0"/>
+                    </a:p>
+                  </a:txBody>
+                  <a:tcPr/>
+                </a:tc>
+                <a:tc>
+                  <a:txBody>
+                    <a:bodyPr/>
+                    <a:lstStyle/>
+                    <a:p>
+                      <a:r>
+                        <a:rPr lang="en-GB" sz="1000" dirty="0" smtClean="0"/>
+                        <a:t>Converter</a:t>
+                      </a:r>
+                      <a:endParaRPr lang="en-GB" sz="1000" dirty="0"/>
+                    </a:p>
+                  </a:txBody>
+                  <a:tcPr/>
+                </a:tc>
+              </a:tr>
+              <a:tr h="273724">
+                <a:tc>
+                  <a:txBody>
+                    <a:bodyPr/>
+                    <a:lstStyle/>
+                    <a:p>
+                      <a:r>
+                        <a:rPr lang="en-GB" sz="1000" dirty="0" smtClean="0"/>
+                        <a:t>210</a:t>
+                      </a:r>
+                      <a:endParaRPr lang="en-GB" sz="1000" dirty="0"/>
+                    </a:p>
+                  </a:txBody>
+                  <a:tcPr/>
+                </a:tc>
+                <a:tc>
+                  <a:txBody>
+                    <a:bodyPr/>
+                    <a:lstStyle/>
+                    <a:p>
+                      <a:r>
+                        <a:rPr lang="en-GB" sz="1000" dirty="0" smtClean="0"/>
+                        <a:t>Sprite</a:t>
+                      </a:r>
+                      <a:endParaRPr lang="en-GB" sz="1000" dirty="0"/>
+                    </a:p>
+                  </a:txBody>
+                  <a:tcPr/>
+                </a:tc>
+                <a:tc>
+                  <a:txBody>
+                    <a:bodyPr/>
+                    <a:lstStyle/>
+                    <a:p>
+                      <a:r>
+                        <a:rPr lang="en-GB" sz="1000" dirty="0" smtClean="0"/>
+                        <a:t>Expose</a:t>
+                      </a:r>
+                      <a:r>
+                        <a:rPr lang="en-GB" sz="1000" baseline="0" dirty="0" smtClean="0"/>
+                        <a:t> buffer and custom I2C subroutine</a:t>
+                      </a:r>
+                      <a:endParaRPr lang="en-GB" sz="1000" dirty="0"/>
+                    </a:p>
+                  </a:txBody>
+                  <a:tcPr/>
+                </a:tc>
+              </a:tr>
+              <a:tr h="352418">
+                <a:tc>
+                  <a:txBody>
+                    <a:bodyPr/>
+                    <a:lstStyle/>
+                    <a:p>
+                      <a:r>
+                        <a:rPr lang="en-GB" sz="1000" dirty="0" smtClean="0"/>
+                        <a:t>220</a:t>
+                      </a:r>
+                      <a:endParaRPr lang="en-GB" sz="1000" dirty="0"/>
+                    </a:p>
+                  </a:txBody>
+                  <a:tcPr/>
+                </a:tc>
+                <a:tc>
+                  <a:txBody>
+                    <a:bodyPr/>
+                    <a:lstStyle/>
+                    <a:p>
+                      <a:r>
+                        <a:rPr lang="en-GB" sz="1000" dirty="0" smtClean="0"/>
+                        <a:t>Voltmeter</a:t>
+                      </a:r>
+                      <a:endParaRPr lang="en-GB" sz="1000" dirty="0"/>
+                    </a:p>
+                  </a:txBody>
+                  <a:tcPr/>
+                </a:tc>
+                <a:tc>
+                  <a:txBody>
+                    <a:bodyPr/>
+                    <a:lstStyle/>
+                    <a:p>
+                      <a:pPr marL="0" marR="0" indent="0" algn="l" defTabSz="342900" rtl="0" eaLnBrk="1" fontAlgn="auto" latinLnBrk="0" hangingPunct="1">
+                        <a:lnSpc>
+                          <a:spcPct val="100000"/>
+                        </a:lnSpc>
+                        <a:spcBef>
+                          <a:spcPts val="0"/>
+                        </a:spcBef>
+                        <a:spcAft>
+                          <a:spcPts val="0"/>
+                        </a:spcAft>
+                        <a:buClrTx/>
+                        <a:buSzTx/>
+                        <a:buFontTx/>
+                        <a:buNone/>
+                        <a:tabLst/>
+                        <a:defRPr/>
+                      </a:pPr>
+                      <a:r>
+                        <a:rPr lang="en-GB" sz="1000" b="0" kern="1200" dirty="0" smtClean="0">
+                          <a:solidFill>
+                            <a:schemeClr val="dk1"/>
+                          </a:solidFill>
+                          <a:effectLst/>
+                          <a:latin typeface="+mn-lt"/>
+                          <a:ea typeface="+mn-ea"/>
+                          <a:cs typeface="+mn-cs"/>
+                        </a:rPr>
+                        <a:t>Trig2places</a:t>
+                      </a:r>
+                      <a:r>
+                        <a:rPr lang="en-GB" sz="1000" b="0" kern="1200" baseline="0" dirty="0" smtClean="0">
+                          <a:solidFill>
+                            <a:schemeClr val="dk1"/>
+                          </a:solidFill>
+                          <a:effectLst/>
+                          <a:latin typeface="+mn-lt"/>
+                          <a:ea typeface="+mn-ea"/>
+                          <a:cs typeface="+mn-cs"/>
+                        </a:rPr>
+                        <a:t> &amp; Low level GLCD commands</a:t>
+                      </a:r>
+                      <a:endParaRPr lang="en-GB" sz="1000" b="0" kern="1200" dirty="0" smtClean="0">
+                        <a:solidFill>
+                          <a:schemeClr val="dk1"/>
+                        </a:solidFill>
+                        <a:effectLst/>
+                        <a:latin typeface="+mn-lt"/>
+                        <a:ea typeface="+mn-ea"/>
+                        <a:cs typeface="+mn-cs"/>
+                      </a:endParaRPr>
+                    </a:p>
+                  </a:txBody>
+                  <a:tcPr/>
+                </a:tc>
+              </a:tr>
+            </a:tbl>
+          </a:graphicData>
+        </a:graphic>
+      </p:graphicFrame>
     </p:spTree>
     <p:extLst>
       <p:ext uri="{BB962C8B-B14F-4D97-AF65-F5344CB8AC3E}">
@@ -12610,11 +12943,7 @@
             <a:pPr marL="778521" lvl="1" indent="-478483"/>
             <a:r>
               <a:rPr lang="en-GB" dirty="0" smtClean="0"/>
-              <a:t>You have a USB/TTL </a:t>
-            </a:r>
-            <a:r>
-              <a:rPr lang="en-GB" dirty="0" smtClean="0"/>
-              <a:t>converter</a:t>
+              <a:t>You have a USB/TTL converter</a:t>
             </a:r>
           </a:p>
           <a:p>
@@ -12623,7 +12952,6 @@
               <a:rPr lang="en-GB" dirty="0" smtClean="0"/>
               <a:t>GLCD i2C device</a:t>
             </a:r>
-            <a:endParaRPr lang="en-GB" dirty="0" smtClean="0"/>
           </a:p>
         </p:txBody>
       </p:sp>
@@ -12903,11 +13231,7 @@
           <a:p>
             <a:r>
               <a:rPr lang="en-GB" dirty="0" smtClean="0"/>
-              <a:t>Switches &amp; </a:t>
-            </a:r>
-            <a:r>
-              <a:rPr lang="en-GB" dirty="0" smtClean="0"/>
-              <a:t>resistors</a:t>
+              <a:t>Switches &amp; resistors</a:t>
             </a:r>
           </a:p>
           <a:p>
@@ -12915,7 +13239,6 @@
               <a:rPr lang="en-GB" dirty="0" smtClean="0"/>
               <a:t>I2c device and circuit</a:t>
             </a:r>
-            <a:endParaRPr lang="en-GB" dirty="0" smtClean="0"/>
           </a:p>
           <a:p>
             <a:endParaRPr lang="en-GB" dirty="0"/>
@@ -13350,7 +13673,7 @@
   <a:extraClrSchemeLst/>
   <a:extLst>
     <a:ext uri="{05A4C25C-085E-4340-85A3-A5531E510DB2}">
-      <thm15:themeFamily xmlns="" xmlns:thm15="http://schemas.microsoft.com/office/thememl/2012/main" name="GCstudioThemeLight" id="{4C740F94-33C0-4EEC-9234-F56C348A0987}" vid="{A43F8B96-90D8-489D-B80F-92F9D6F351CC}"/>
+      <thm15:themeFamily xmlns:thm15="http://schemas.microsoft.com/office/thememl/2012/main" xmlns="" name="GCstudioThemeLight" id="{4C740F94-33C0-4EEC-9234-F56C348A0987}" vid="{A43F8B96-90D8-489D-B80F-92F9D6F351CC}"/>
     </a:ext>
   </a:extLst>
 </a:theme>
